--- a/项目展示幻灯片/个人汇报 孙思敏.pptx
+++ b/项目展示幻灯片/个人汇报 孙思敏.pptx
@@ -209,7 +209,7 @@
             <a:pPr rtl="0"/>
             <a:fld id="{23A8DBB9-FF4D-4FDA-AD34-27FA86519578}" type="datetime1">
               <a:rPr lang="zh-CN" altLang="en-US" smtClean="0"/>
-              <a:t>2022/7/8</a:t>
+              <a:t>2022/7/11</a:t>
             </a:fld>
             <a:endParaRPr lang="en-US"/>
           </a:p>
@@ -379,7 +379,7 @@
             <a:pPr rtl="0"/>
             <a:fld id="{8E1CCE20-FD2F-40C5-ABE3-3369F20AA0E6}" type="datetime1">
               <a:rPr lang="zh-CN" altLang="en-US" smtClean="0"/>
-              <a:t>2022/7/8</a:t>
+              <a:t>2022/7/11</a:t>
             </a:fld>
             <a:endParaRPr lang="en-US"/>
           </a:p>
@@ -899,7 +899,7 @@
             <a:pPr rtl="0"/>
             <a:fld id="{E203234F-2943-4AD6-8E73-34C216403FC9}" type="datetime1">
               <a:rPr lang="zh-CN" altLang="en-US" smtClean="0"/>
-              <a:t>2022/7/8</a:t>
+              <a:t>2022/7/11</a:t>
             </a:fld>
             <a:endParaRPr lang="en-US" dirty="0"/>
           </a:p>
@@ -1091,7 +1091,7 @@
             <a:pPr rtl="0"/>
             <a:fld id="{6818B044-5115-4C63-8F06-0D627F0729F0}" type="datetime1">
               <a:rPr lang="zh-CN" altLang="en-US" smtClean="0"/>
-              <a:t>2022/7/8</a:t>
+              <a:t>2022/7/11</a:t>
             </a:fld>
             <a:endParaRPr lang="en-US" dirty="0"/>
           </a:p>
@@ -1337,7 +1337,7 @@
             <a:pPr rtl="0"/>
             <a:fld id="{C0E476C3-78BD-40CB-9C6F-0D41DD7E1D50}" type="datetime1">
               <a:rPr lang="zh-CN" altLang="en-US" smtClean="0"/>
-              <a:t>2022/7/8</a:t>
+              <a:t>2022/7/11</a:t>
             </a:fld>
             <a:endParaRPr lang="en-US" dirty="0"/>
           </a:p>
@@ -1529,7 +1529,7 @@
             <a:pPr rtl="0"/>
             <a:fld id="{A24A4C0A-F292-41BE-9CD1-530467B1B9F8}" type="datetime1">
               <a:rPr lang="zh-CN" altLang="en-US" smtClean="0"/>
-              <a:t>2022/7/8</a:t>
+              <a:t>2022/7/11</a:t>
             </a:fld>
             <a:endParaRPr lang="en-US" dirty="0"/>
           </a:p>
@@ -1906,7 +1906,7 @@
             <a:pPr rtl="0"/>
             <a:fld id="{C31630FC-7090-4D1C-93D5-113C82941F4E}" type="datetime1">
               <a:rPr lang="zh-CN" altLang="en-US" smtClean="0"/>
-              <a:t>2022/7/8</a:t>
+              <a:t>2022/7/11</a:t>
             </a:fld>
             <a:endParaRPr lang="en-US" dirty="0"/>
           </a:p>
@@ -2165,7 +2165,7 @@
             <a:pPr rtl="0"/>
             <a:fld id="{81EDFCFC-F8E9-4049-95DD-C79391CC7BFF}" type="datetime1">
               <a:rPr lang="zh-CN" altLang="en-US" smtClean="0"/>
-              <a:t>2022/7/8</a:t>
+              <a:t>2022/7/11</a:t>
             </a:fld>
             <a:endParaRPr lang="en-US" dirty="0"/>
           </a:p>
@@ -2566,7 +2566,7 @@
             <a:pPr rtl="0"/>
             <a:fld id="{EFBE5E81-E012-42C1-892B-1E2892457684}" type="datetime1">
               <a:rPr lang="zh-CN" altLang="en-US" smtClean="0"/>
-              <a:t>2022/7/8</a:t>
+              <a:t>2022/7/11</a:t>
             </a:fld>
             <a:endParaRPr lang="en-US" dirty="0"/>
           </a:p>
@@ -2706,7 +2706,7 @@
             <a:pPr rtl="0"/>
             <a:fld id="{DA05DBCF-E3D4-4FC7-9203-C0C05B2BAA55}" type="datetime1">
               <a:rPr lang="zh-CN" altLang="en-US" smtClean="0"/>
-              <a:t>2022/7/8</a:t>
+              <a:t>2022/7/11</a:t>
             </a:fld>
             <a:endParaRPr lang="en-US" dirty="0"/>
           </a:p>
@@ -2866,7 +2866,7 @@
             <a:pPr rtl="0"/>
             <a:fld id="{4910A522-F0F5-43AE-870D-B1652467F5E7}" type="datetime1">
               <a:rPr lang="zh-CN" altLang="en-US" smtClean="0"/>
-              <a:t>2022/7/8</a:t>
+              <a:t>2022/7/11</a:t>
             </a:fld>
             <a:endParaRPr lang="en-US" dirty="0"/>
           </a:p>
@@ -3199,7 +3199,7 @@
             <a:pPr rtl="0"/>
             <a:fld id="{4571CF06-CFCF-4651-AD58-EA72AF9A9AA5}" type="datetime1">
               <a:rPr lang="zh-CN" altLang="en-US" smtClean="0"/>
-              <a:t>2022/7/8</a:t>
+              <a:t>2022/7/11</a:t>
             </a:fld>
             <a:endParaRPr lang="en-US" dirty="0"/>
           </a:p>
@@ -3554,7 +3554,7 @@
             <a:pPr rtl="0"/>
             <a:fld id="{A78803E1-1726-4879-80E3-452B390141DD}" type="datetime1">
               <a:rPr lang="zh-CN" altLang="en-US" smtClean="0"/>
-              <a:t>2022/7/8</a:t>
+              <a:t>2022/7/11</a:t>
             </a:fld>
             <a:endParaRPr lang="en-US" dirty="0"/>
           </a:p>
@@ -3819,7 +3819,7 @@
           <a:p>
             <a:fld id="{4ECCA8BC-1B61-46E2-9581-00FC2FDA063C}" type="datetime1">
               <a:rPr lang="zh-CN" altLang="en-US" smtClean="0"/>
-              <a:t>2022/7/8</a:t>
+              <a:t>2022/7/11</a:t>
             </a:fld>
             <a:endParaRPr lang="en-US" dirty="0"/>
           </a:p>
@@ -4445,12 +4445,12 @@
           <a:p>
             <a:pPr rtl="0"/>
             <a:r>
-              <a:rPr lang="en-US" altLang="zh-CN" sz="8000" dirty="0"/>
-              <a:t>CMA</a:t>
+              <a:rPr lang="zh-CN" altLang="en-US" sz="8000"/>
+              <a:t>个人</a:t>
             </a:r>
             <a:r>
               <a:rPr lang="zh-CN" altLang="en-US" sz="8000" dirty="0"/>
-              <a:t>个人汇报</a:t>
+              <a:t>汇报</a:t>
             </a:r>
             <a:endParaRPr lang="zh-cn" sz="8000" dirty="0"/>
           </a:p>
